--- a/230424 - Serverless Architecture Conference @London/Implement a Serverless Data Platform with Microsoft Azure.pptx
+++ b/230424 - Serverless Architecture Conference @London/Implement a Serverless Data Platform with Microsoft Azure.pptx
@@ -7917,19 +7917,13 @@
             <a:rPr lang="it-IT" noProof="0" dirty="0">
               <a:latin typeface="+mn-lt"/>
             </a:rPr>
-            <a:t>Eventually adopt a </a:t>
+            <a:t>Use Pipelines, Data Flows and/or Spark</a:t>
           </a:r>
           <a:r>
             <a:rPr lang="it-IT" b="1" noProof="0" dirty="0">
               <a:latin typeface="+mn-lt"/>
             </a:rPr>
-            <a:t>dedicated pool </a:t>
-          </a:r>
-          <a:r>
-            <a:rPr lang="it-IT" noProof="0" dirty="0">
-              <a:latin typeface="+mn-lt"/>
-            </a:rPr>
-            <a:t>or a SQL Database</a:t>
+            <a:t> for the Data Engineering</a:t>
           </a:r>
           <a:endParaRPr lang="en-US" noProof="0" dirty="0">
             <a:latin typeface="+mn-lt"/>
@@ -11706,19 +11700,13 @@
             <a:rPr lang="it-IT" sz="1800" kern="1200" noProof="0" dirty="0">
               <a:latin typeface="+mn-lt"/>
             </a:rPr>
-            <a:t>Eventually adopt a </a:t>
+            <a:t>Use Pipelines, Data Flows and/or Spark</a:t>
           </a:r>
           <a:r>
             <a:rPr lang="it-IT" sz="1800" b="1" kern="1200" noProof="0" dirty="0">
               <a:latin typeface="+mn-lt"/>
             </a:rPr>
-            <a:t>dedicated pool </a:t>
-          </a:r>
-          <a:r>
-            <a:rPr lang="it-IT" sz="1800" kern="1200" noProof="0" dirty="0">
-              <a:latin typeface="+mn-lt"/>
-            </a:rPr>
-            <a:t>or a SQL Database</a:t>
+            <a:t> for the Data Engineering</a:t>
           </a:r>
           <a:endParaRPr lang="en-US" sz="1800" kern="1200" noProof="0" dirty="0">
             <a:latin typeface="+mn-lt"/>
@@ -20973,7 +20961,7 @@
           <a:p>
             <a:fld id="{8B5BC237-EB13-4A99-ABC4-9CDC020E6E57}" type="datetimeFigureOut">
               <a:rPr lang="it-IT" smtClean="0"/>
-              <a:t>22/04/2023</a:t>
+              <a:t>24/04/2023</a:t>
             </a:fld>
             <a:endParaRPr lang="it-IT"/>
           </a:p>
@@ -24113,7 +24101,7 @@
           <a:p>
             <a:fld id="{5E59A946-C79D-4EA7-BBEA-78C8FEAB6CB1}" type="datetimeFigureOut">
               <a:rPr lang="en-US" smtClean="0"/>
-              <a:t>4/22/2023</a:t>
+              <a:t>4/24/2023</a:t>
             </a:fld>
             <a:endParaRPr lang="en-US"/>
           </a:p>
@@ -24330,7 +24318,7 @@
           <a:p>
             <a:fld id="{5E59A946-C79D-4EA7-BBEA-78C8FEAB6CB1}" type="datetimeFigureOut">
               <a:rPr lang="en-US" smtClean="0"/>
-              <a:t>4/22/2023</a:t>
+              <a:t>4/24/2023</a:t>
             </a:fld>
             <a:endParaRPr lang="en-US"/>
           </a:p>
@@ -24748,7 +24736,7 @@
           <a:p>
             <a:fld id="{5E59A946-C79D-4EA7-BBEA-78C8FEAB6CB1}" type="datetimeFigureOut">
               <a:rPr lang="en-US" smtClean="0"/>
-              <a:t>4/22/2023</a:t>
+              <a:t>4/24/2023</a:t>
             </a:fld>
             <a:endParaRPr lang="en-US"/>
           </a:p>
@@ -25124,7 +25112,7 @@
           <a:p>
             <a:fld id="{5E59A946-C79D-4EA7-BBEA-78C8FEAB6CB1}" type="datetimeFigureOut">
               <a:rPr lang="en-US" smtClean="0"/>
-              <a:t>4/22/2023</a:t>
+              <a:t>4/24/2023</a:t>
             </a:fld>
             <a:endParaRPr lang="en-US"/>
           </a:p>
@@ -25519,7 +25507,7 @@
           <a:p>
             <a:fld id="{5E59A946-C79D-4EA7-BBEA-78C8FEAB6CB1}" type="datetimeFigureOut">
               <a:rPr lang="en-US" smtClean="0"/>
-              <a:t>4/22/2023</a:t>
+              <a:t>4/24/2023</a:t>
             </a:fld>
             <a:endParaRPr lang="en-US"/>
           </a:p>
@@ -25898,7 +25886,7 @@
           <a:p>
             <a:fld id="{5E59A946-C79D-4EA7-BBEA-78C8FEAB6CB1}" type="datetimeFigureOut">
               <a:rPr lang="en-US" smtClean="0"/>
-              <a:t>4/22/2023</a:t>
+              <a:t>4/24/2023</a:t>
             </a:fld>
             <a:endParaRPr lang="en-US"/>
           </a:p>
@@ -26016,7 +26004,7 @@
           <a:p>
             <a:fld id="{5E59A946-C79D-4EA7-BBEA-78C8FEAB6CB1}" type="datetimeFigureOut">
               <a:rPr lang="en-US" smtClean="0"/>
-              <a:t>4/22/2023</a:t>
+              <a:t>4/24/2023</a:t>
             </a:fld>
             <a:endParaRPr lang="en-US"/>
           </a:p>
@@ -26187,7 +26175,7 @@
           <a:p>
             <a:fld id="{5E59A946-C79D-4EA7-BBEA-78C8FEAB6CB1}" type="datetimeFigureOut">
               <a:rPr lang="en-US" smtClean="0"/>
-              <a:t>4/22/2023</a:t>
+              <a:t>4/24/2023</a:t>
             </a:fld>
             <a:endParaRPr lang="en-US"/>
           </a:p>
@@ -26511,7 +26499,7 @@
           <a:p>
             <a:fld id="{5E59A946-C79D-4EA7-BBEA-78C8FEAB6CB1}" type="datetimeFigureOut">
               <a:rPr lang="en-US" smtClean="0"/>
-              <a:t>4/22/2023</a:t>
+              <a:t>4/24/2023</a:t>
             </a:fld>
             <a:endParaRPr lang="en-US"/>
           </a:p>
@@ -26719,7 +26707,7 @@
           <a:p>
             <a:fld id="{5E59A946-C79D-4EA7-BBEA-78C8FEAB6CB1}" type="datetimeFigureOut">
               <a:rPr lang="en-US" smtClean="0"/>
-              <a:t>4/22/2023</a:t>
+              <a:t>4/24/2023</a:t>
             </a:fld>
             <a:endParaRPr lang="en-US"/>
           </a:p>
@@ -27175,7 +27163,7 @@
           <a:p>
             <a:fld id="{5E59A946-C79D-4EA7-BBEA-78C8FEAB6CB1}" type="datetimeFigureOut">
               <a:rPr lang="en-US" smtClean="0"/>
-              <a:t>4/22/2023</a:t>
+              <a:t>4/24/2023</a:t>
             </a:fld>
             <a:endParaRPr lang="en-US"/>
           </a:p>
@@ -27345,7 +27333,7 @@
           <a:p>
             <a:fld id="{5E59A946-C79D-4EA7-BBEA-78C8FEAB6CB1}" type="datetimeFigureOut">
               <a:rPr lang="en-US" smtClean="0"/>
-              <a:t>4/22/2023</a:t>
+              <a:t>4/24/2023</a:t>
             </a:fld>
             <a:endParaRPr lang="en-US"/>
           </a:p>
@@ -27601,7 +27589,7 @@
           <a:p>
             <a:fld id="{5E59A946-C79D-4EA7-BBEA-78C8FEAB6CB1}" type="datetimeFigureOut">
               <a:rPr lang="en-US" smtClean="0"/>
-              <a:t>4/22/2023</a:t>
+              <a:t>4/24/2023</a:t>
             </a:fld>
             <a:endParaRPr lang="en-US"/>
           </a:p>
@@ -28240,7 +28228,7 @@
           <a:p>
             <a:fld id="{5E59A946-C79D-4EA7-BBEA-78C8FEAB6CB1}" type="datetimeFigureOut">
               <a:rPr lang="en-US" smtClean="0"/>
-              <a:t>4/22/2023</a:t>
+              <a:t>4/24/2023</a:t>
             </a:fld>
             <a:endParaRPr lang="en-US"/>
           </a:p>
@@ -28643,7 +28631,7 @@
           <a:p>
             <a:fld id="{5E59A946-C79D-4EA7-BBEA-78C8FEAB6CB1}" type="datetimeFigureOut">
               <a:rPr lang="en-US" smtClean="0"/>
-              <a:t>4/22/2023</a:t>
+              <a:t>4/24/2023</a:t>
             </a:fld>
             <a:endParaRPr lang="en-US"/>
           </a:p>
@@ -28785,7 +28773,7 @@
           <a:p>
             <a:fld id="{5E59A946-C79D-4EA7-BBEA-78C8FEAB6CB1}" type="datetimeFigureOut">
               <a:rPr lang="en-US" smtClean="0"/>
-              <a:t>4/22/2023</a:t>
+              <a:t>4/24/2023</a:t>
             </a:fld>
             <a:endParaRPr lang="en-US"/>
           </a:p>
@@ -30269,7 +30257,7 @@
           <a:p>
             <a:fld id="{5E59A946-C79D-4EA7-BBEA-78C8FEAB6CB1}" type="datetimeFigureOut">
               <a:rPr lang="en-US" smtClean="0"/>
-              <a:t>4/22/2023</a:t>
+              <a:t>4/24/2023</a:t>
             </a:fld>
             <a:endParaRPr lang="en-US"/>
           </a:p>
@@ -46452,7 +46440,7 @@
             <p:ph idx="1"/>
             <p:extLst>
               <p:ext uri="{D42A27DB-BD31-4B8C-83A1-F6EECF244321}">
-                <p14:modId xmlns:p14="http://schemas.microsoft.com/office/powerpoint/2010/main" val="3669349626"/>
+                <p14:modId xmlns:p14="http://schemas.microsoft.com/office/powerpoint/2010/main" val="3162684657"/>
               </p:ext>
             </p:extLst>
           </p:nvPr>
